--- a/Doc/맵 회전.pptx
+++ b/Doc/맵 회전.pptx
@@ -104,6 +104,11 @@
       </a:defRPr>
     </a:lvl9pPr>
   </p:defaultTextStyle>
+  <p:extLst>
+    <p:ext uri="{EFAFB233-063F-42B5-8137-9DF3F51BA10A}">
+      <p15:sldGuideLst xmlns:p15="http://schemas.microsoft.com/office/powerpoint/2012/main"/>
+    </p:ext>
+  </p:extLst>
 </p:presentation>
 </file>
 
@@ -4107,7 +4112,7 @@
         </p:nvSpPr>
         <p:spPr>
           <a:xfrm rot="19224623">
-            <a:off x="3528430" y="2894981"/>
+            <a:off x="3559120" y="2840393"/>
             <a:ext cx="720000" cy="720000"/>
           </a:xfrm>
           <a:prstGeom prst="rect">
@@ -4156,7 +4161,7 @@
         </p:nvSpPr>
         <p:spPr>
           <a:xfrm>
-            <a:off x="3525969" y="2901091"/>
+            <a:off x="3556659" y="2846503"/>
             <a:ext cx="720000" cy="720000"/>
           </a:xfrm>
           <a:prstGeom prst="rect">
@@ -4205,7 +4210,7 @@
         </p:nvSpPr>
         <p:spPr>
           <a:xfrm rot="19224623">
-            <a:off x="3802334" y="3147259"/>
+            <a:off x="3833024" y="3092671"/>
             <a:ext cx="172192" cy="215444"/>
           </a:xfrm>
           <a:prstGeom prst="rect">
@@ -4222,6 +4227,719 @@
               <a:schemeClr val="tx1"/>
             </a:solidFill>
           </a:ln>
+        </p:spPr>
+        <p:style>
+          <a:lnRef idx="2">
+            <a:schemeClr val="accent1">
+              <a:shade val="50000"/>
+            </a:schemeClr>
+          </a:lnRef>
+          <a:fillRef idx="1">
+            <a:schemeClr val="accent1"/>
+          </a:fillRef>
+          <a:effectRef idx="0">
+            <a:schemeClr val="accent1"/>
+          </a:effectRef>
+          <a:fontRef idx="minor">
+            <a:schemeClr val="lt1"/>
+          </a:fontRef>
+        </p:style>
+        <p:txBody>
+          <a:bodyPr rtlCol="0" anchor="ctr"/>
+          <a:lstStyle/>
+          <a:p>
+            <a:pPr algn="ctr"/>
+            <a:endParaRPr lang="ko-KR" altLang="en-US"/>
+          </a:p>
+        </p:txBody>
+      </p:sp>
+      <p:grpSp>
+        <p:nvGrpSpPr>
+          <p:cNvPr id="24" name="그룹 23">
+            <a:extLst>
+              <a:ext uri="{FF2B5EF4-FFF2-40B4-BE49-F238E27FC236}">
+                <a16:creationId xmlns:a16="http://schemas.microsoft.com/office/drawing/2014/main" id="{62C623C4-92E8-45D1-8217-52C2C4B51B55}"/>
+              </a:ext>
+            </a:extLst>
+          </p:cNvPr>
+          <p:cNvGrpSpPr/>
+          <p:nvPr/>
+        </p:nvGrpSpPr>
+        <p:grpSpPr>
+          <a:xfrm>
+            <a:off x="3556659" y="2846503"/>
+            <a:ext cx="719999" cy="716181"/>
+            <a:chOff x="3556659" y="2846503"/>
+            <a:chExt cx="719999" cy="716181"/>
+          </a:xfrm>
+        </p:grpSpPr>
+        <p:cxnSp>
+          <p:nvCxnSpPr>
+            <p:cNvPr id="3" name="직선 연결선 2">
+              <a:extLst>
+                <a:ext uri="{FF2B5EF4-FFF2-40B4-BE49-F238E27FC236}">
+                  <a16:creationId xmlns:a16="http://schemas.microsoft.com/office/drawing/2014/main" id="{76ECF100-AAAD-4106-86D5-753F6FB75079}"/>
+                </a:ext>
+              </a:extLst>
+            </p:cNvPr>
+            <p:cNvCxnSpPr>
+              <a:cxnSpLocks/>
+            </p:cNvCxnSpPr>
+            <p:nvPr/>
+          </p:nvCxnSpPr>
+          <p:spPr>
+            <a:xfrm flipV="1">
+              <a:off x="3556659" y="2846503"/>
+              <a:ext cx="0" cy="716179"/>
+            </a:xfrm>
+            <a:prstGeom prst="line">
+              <a:avLst/>
+            </a:prstGeom>
+            <a:ln w="28575">
+              <a:solidFill>
+                <a:srgbClr val="C00000"/>
+              </a:solidFill>
+            </a:ln>
+          </p:spPr>
+          <p:style>
+            <a:lnRef idx="1">
+              <a:schemeClr val="accent1"/>
+            </a:lnRef>
+            <a:fillRef idx="0">
+              <a:schemeClr val="accent1"/>
+            </a:fillRef>
+            <a:effectRef idx="0">
+              <a:schemeClr val="accent1"/>
+            </a:effectRef>
+            <a:fontRef idx="minor">
+              <a:schemeClr val="tx1"/>
+            </a:fontRef>
+          </p:style>
+        </p:cxnSp>
+        <p:cxnSp>
+          <p:nvCxnSpPr>
+            <p:cNvPr id="23" name="직선 연결선 22">
+              <a:extLst>
+                <a:ext uri="{FF2B5EF4-FFF2-40B4-BE49-F238E27FC236}">
+                  <a16:creationId xmlns:a16="http://schemas.microsoft.com/office/drawing/2014/main" id="{8E1B2293-B67A-40BD-AA26-F99D4FCB9FAC}"/>
+                </a:ext>
+              </a:extLst>
+            </p:cNvPr>
+            <p:cNvCxnSpPr>
+              <a:cxnSpLocks/>
+            </p:cNvCxnSpPr>
+            <p:nvPr/>
+          </p:nvCxnSpPr>
+          <p:spPr>
+            <a:xfrm flipH="1">
+              <a:off x="3557786" y="3562683"/>
+              <a:ext cx="718872" cy="1"/>
+            </a:xfrm>
+            <a:prstGeom prst="line">
+              <a:avLst/>
+            </a:prstGeom>
+            <a:ln w="28575">
+              <a:solidFill>
+                <a:srgbClr val="C00000"/>
+              </a:solidFill>
+            </a:ln>
+          </p:spPr>
+          <p:style>
+            <a:lnRef idx="1">
+              <a:schemeClr val="accent1"/>
+            </a:lnRef>
+            <a:fillRef idx="0">
+              <a:schemeClr val="accent1"/>
+            </a:fillRef>
+            <a:effectRef idx="0">
+              <a:schemeClr val="accent1"/>
+            </a:effectRef>
+            <a:fontRef idx="minor">
+              <a:schemeClr val="tx1"/>
+            </a:fontRef>
+          </p:style>
+        </p:cxnSp>
+      </p:grpSp>
+      <p:grpSp>
+        <p:nvGrpSpPr>
+          <p:cNvPr id="30" name="그룹 29">
+            <a:extLst>
+              <a:ext uri="{FF2B5EF4-FFF2-40B4-BE49-F238E27FC236}">
+                <a16:creationId xmlns:a16="http://schemas.microsoft.com/office/drawing/2014/main" id="{174652DF-72AF-4A75-AC8E-7DF28803A8EE}"/>
+              </a:ext>
+            </a:extLst>
+          </p:cNvPr>
+          <p:cNvGrpSpPr/>
+          <p:nvPr/>
+        </p:nvGrpSpPr>
+        <p:grpSpPr>
+          <a:xfrm rot="3073095">
+            <a:off x="3556431" y="2843565"/>
+            <a:ext cx="719999" cy="716181"/>
+            <a:chOff x="3556659" y="2846503"/>
+            <a:chExt cx="719999" cy="716181"/>
+          </a:xfrm>
+        </p:grpSpPr>
+        <p:cxnSp>
+          <p:nvCxnSpPr>
+            <p:cNvPr id="31" name="직선 연결선 30">
+              <a:extLst>
+                <a:ext uri="{FF2B5EF4-FFF2-40B4-BE49-F238E27FC236}">
+                  <a16:creationId xmlns:a16="http://schemas.microsoft.com/office/drawing/2014/main" id="{1917F36C-1202-4727-9913-5C079D3264B5}"/>
+                </a:ext>
+              </a:extLst>
+            </p:cNvPr>
+            <p:cNvCxnSpPr>
+              <a:cxnSpLocks/>
+            </p:cNvCxnSpPr>
+            <p:nvPr/>
+          </p:nvCxnSpPr>
+          <p:spPr>
+            <a:xfrm flipV="1">
+              <a:off x="3556659" y="2846503"/>
+              <a:ext cx="0" cy="716179"/>
+            </a:xfrm>
+            <a:prstGeom prst="line">
+              <a:avLst/>
+            </a:prstGeom>
+            <a:ln w="28575">
+              <a:solidFill>
+                <a:srgbClr val="C00000"/>
+              </a:solidFill>
+            </a:ln>
+          </p:spPr>
+          <p:style>
+            <a:lnRef idx="1">
+              <a:schemeClr val="accent1"/>
+            </a:lnRef>
+            <a:fillRef idx="0">
+              <a:schemeClr val="accent1"/>
+            </a:fillRef>
+            <a:effectRef idx="0">
+              <a:schemeClr val="accent1"/>
+            </a:effectRef>
+            <a:fontRef idx="minor">
+              <a:schemeClr val="tx1"/>
+            </a:fontRef>
+          </p:style>
+        </p:cxnSp>
+        <p:cxnSp>
+          <p:nvCxnSpPr>
+            <p:cNvPr id="32" name="직선 연결선 31">
+              <a:extLst>
+                <a:ext uri="{FF2B5EF4-FFF2-40B4-BE49-F238E27FC236}">
+                  <a16:creationId xmlns:a16="http://schemas.microsoft.com/office/drawing/2014/main" id="{6C001032-6499-48E4-AB71-BF49A88BF36F}"/>
+                </a:ext>
+              </a:extLst>
+            </p:cNvPr>
+            <p:cNvCxnSpPr>
+              <a:cxnSpLocks/>
+            </p:cNvCxnSpPr>
+            <p:nvPr/>
+          </p:nvCxnSpPr>
+          <p:spPr>
+            <a:xfrm flipH="1">
+              <a:off x="3557786" y="3562683"/>
+              <a:ext cx="718872" cy="1"/>
+            </a:xfrm>
+            <a:prstGeom prst="line">
+              <a:avLst/>
+            </a:prstGeom>
+            <a:ln w="28575">
+              <a:solidFill>
+                <a:srgbClr val="C00000"/>
+              </a:solidFill>
+            </a:ln>
+          </p:spPr>
+          <p:style>
+            <a:lnRef idx="1">
+              <a:schemeClr val="accent1"/>
+            </a:lnRef>
+            <a:fillRef idx="0">
+              <a:schemeClr val="accent1"/>
+            </a:fillRef>
+            <a:effectRef idx="0">
+              <a:schemeClr val="accent1"/>
+            </a:effectRef>
+            <a:fontRef idx="minor">
+              <a:schemeClr val="tx1"/>
+            </a:fontRef>
+          </p:style>
+        </p:cxnSp>
+      </p:grpSp>
+      <p:sp>
+        <p:nvSpPr>
+          <p:cNvPr id="25" name="직사각형 24">
+            <a:extLst>
+              <a:ext uri="{FF2B5EF4-FFF2-40B4-BE49-F238E27FC236}">
+                <a16:creationId xmlns:a16="http://schemas.microsoft.com/office/drawing/2014/main" id="{B25E3CF0-E115-4632-9CD1-83A5793DCD9F}"/>
+              </a:ext>
+            </a:extLst>
+          </p:cNvPr>
+          <p:cNvSpPr/>
+          <p:nvPr/>
+        </p:nvSpPr>
+        <p:spPr>
+          <a:xfrm>
+            <a:off x="8556772" y="2693544"/>
+            <a:ext cx="142612" cy="152959"/>
+          </a:xfrm>
+          <a:prstGeom prst="rect">
+            <a:avLst/>
+          </a:prstGeom>
+        </p:spPr>
+        <p:style>
+          <a:lnRef idx="2">
+            <a:schemeClr val="accent1">
+              <a:shade val="50000"/>
+            </a:schemeClr>
+          </a:lnRef>
+          <a:fillRef idx="1">
+            <a:schemeClr val="accent1"/>
+          </a:fillRef>
+          <a:effectRef idx="0">
+            <a:schemeClr val="accent1"/>
+          </a:effectRef>
+          <a:fontRef idx="minor">
+            <a:schemeClr val="lt1"/>
+          </a:fontRef>
+        </p:style>
+        <p:txBody>
+          <a:bodyPr rtlCol="0" anchor="ctr"/>
+          <a:lstStyle/>
+          <a:p>
+            <a:pPr algn="ctr"/>
+            <a:endParaRPr lang="ko-KR" altLang="en-US"/>
+          </a:p>
+        </p:txBody>
+      </p:sp>
+      <p:sp>
+        <p:nvSpPr>
+          <p:cNvPr id="33" name="직사각형 32">
+            <a:extLst>
+              <a:ext uri="{FF2B5EF4-FFF2-40B4-BE49-F238E27FC236}">
+                <a16:creationId xmlns:a16="http://schemas.microsoft.com/office/drawing/2014/main" id="{80A337AB-690B-4232-8FF8-4EE3F5E50C17}"/>
+              </a:ext>
+            </a:extLst>
+          </p:cNvPr>
+          <p:cNvSpPr/>
+          <p:nvPr/>
+        </p:nvSpPr>
+        <p:spPr>
+          <a:xfrm>
+            <a:off x="8699384" y="2522401"/>
+            <a:ext cx="142612" cy="152959"/>
+          </a:xfrm>
+          <a:prstGeom prst="rect">
+            <a:avLst/>
+          </a:prstGeom>
+        </p:spPr>
+        <p:style>
+          <a:lnRef idx="2">
+            <a:schemeClr val="accent1">
+              <a:shade val="50000"/>
+            </a:schemeClr>
+          </a:lnRef>
+          <a:fillRef idx="1">
+            <a:schemeClr val="accent1"/>
+          </a:fillRef>
+          <a:effectRef idx="0">
+            <a:schemeClr val="accent1"/>
+          </a:effectRef>
+          <a:fontRef idx="minor">
+            <a:schemeClr val="lt1"/>
+          </a:fontRef>
+        </p:style>
+        <p:txBody>
+          <a:bodyPr rtlCol="0" anchor="ctr"/>
+          <a:lstStyle/>
+          <a:p>
+            <a:pPr algn="ctr"/>
+            <a:endParaRPr lang="ko-KR" altLang="en-US"/>
+          </a:p>
+        </p:txBody>
+      </p:sp>
+      <p:sp>
+        <p:nvSpPr>
+          <p:cNvPr id="2" name="TextBox 1">
+            <a:extLst>
+              <a:ext uri="{FF2B5EF4-FFF2-40B4-BE49-F238E27FC236}">
+                <a16:creationId xmlns:a16="http://schemas.microsoft.com/office/drawing/2014/main" id="{7DA0B46D-AE74-4382-9E25-C0AF099E6D15}"/>
+              </a:ext>
+            </a:extLst>
+          </p:cNvPr>
+          <p:cNvSpPr txBox="1"/>
+          <p:nvPr/>
+        </p:nvSpPr>
+        <p:spPr>
+          <a:xfrm>
+            <a:off x="2487881" y="4334494"/>
+            <a:ext cx="7368638" cy="369332"/>
+          </a:xfrm>
+          <a:prstGeom prst="rect">
+            <a:avLst/>
+          </a:prstGeom>
+          <a:noFill/>
+        </p:spPr>
+        <p:txBody>
+          <a:bodyPr wrap="square" rtlCol="0">
+            <a:spAutoFit/>
+          </a:bodyPr>
+          <a:lstStyle/>
+          <a:p>
+            <a:r>
+              <a:rPr lang="ko-KR" altLang="en-US" dirty="0"/>
+              <a:t>배우 </a:t>
+            </a:r>
+            <a:r>
+              <a:rPr lang="en-US" altLang="ko-KR" dirty="0"/>
+              <a:t>= </a:t>
+            </a:r>
+            <a:r>
+              <a:rPr lang="ko-KR" altLang="en-US" dirty="0"/>
+              <a:t>카트</a:t>
+            </a:r>
+            <a:r>
+              <a:rPr lang="en-US" altLang="ko-KR" dirty="0"/>
+              <a:t>, </a:t>
+            </a:r>
+            <a:r>
+              <a:rPr lang="ko-KR" altLang="en-US" dirty="0"/>
+              <a:t>현장 </a:t>
+            </a:r>
+            <a:r>
+              <a:rPr lang="en-US" altLang="ko-KR" dirty="0"/>
+              <a:t>= </a:t>
+            </a:r>
+            <a:r>
+              <a:rPr lang="ko-KR" altLang="en-US" dirty="0"/>
+              <a:t>맵</a:t>
+            </a:r>
+            <a:r>
+              <a:rPr lang="en-US" altLang="ko-KR" dirty="0"/>
+              <a:t>, </a:t>
+            </a:r>
+            <a:r>
+              <a:rPr lang="ko-KR" altLang="en-US" dirty="0"/>
+              <a:t>카메라맨 </a:t>
+            </a:r>
+            <a:r>
+              <a:rPr lang="en-US" altLang="ko-KR" dirty="0"/>
+              <a:t>-&gt; </a:t>
+            </a:r>
+            <a:r>
+              <a:rPr lang="ko-KR" altLang="en-US" dirty="0"/>
+              <a:t>문제</a:t>
+            </a:r>
+            <a:r>
+              <a:rPr lang="en-US" altLang="ko-KR" dirty="0"/>
+              <a:t>, </a:t>
+            </a:r>
+            <a:r>
+              <a:rPr lang="ko-KR" altLang="en-US" dirty="0"/>
+              <a:t>감독 </a:t>
+            </a:r>
+            <a:r>
+              <a:rPr lang="en-US" altLang="ko-KR" dirty="0"/>
+              <a:t>= </a:t>
+            </a:r>
+            <a:r>
+              <a:rPr lang="ko-KR" altLang="en-US" dirty="0"/>
+              <a:t>개발자</a:t>
+            </a:r>
+          </a:p>
+        </p:txBody>
+      </p:sp>
+      <p:sp>
+        <p:nvSpPr>
+          <p:cNvPr id="19" name="타원 18">
+            <a:extLst>
+              <a:ext uri="{FF2B5EF4-FFF2-40B4-BE49-F238E27FC236}">
+                <a16:creationId xmlns:a16="http://schemas.microsoft.com/office/drawing/2014/main" id="{57CD81A0-4980-4B70-89CF-C4E82170058F}"/>
+              </a:ext>
+            </a:extLst>
+          </p:cNvPr>
+          <p:cNvSpPr/>
+          <p:nvPr/>
+        </p:nvSpPr>
+        <p:spPr>
+          <a:xfrm>
+            <a:off x="3635229" y="1846613"/>
+            <a:ext cx="45719" cy="47501"/>
+          </a:xfrm>
+          <a:prstGeom prst="ellipse">
+            <a:avLst/>
+          </a:prstGeom>
+        </p:spPr>
+        <p:style>
+          <a:lnRef idx="2">
+            <a:schemeClr val="accent1">
+              <a:shade val="50000"/>
+            </a:schemeClr>
+          </a:lnRef>
+          <a:fillRef idx="1">
+            <a:schemeClr val="accent1"/>
+          </a:fillRef>
+          <a:effectRef idx="0">
+            <a:schemeClr val="accent1"/>
+          </a:effectRef>
+          <a:fontRef idx="minor">
+            <a:schemeClr val="lt1"/>
+          </a:fontRef>
+        </p:style>
+        <p:txBody>
+          <a:bodyPr rtlCol="0" anchor="ctr"/>
+          <a:lstStyle/>
+          <a:p>
+            <a:pPr algn="ctr"/>
+            <a:endParaRPr lang="ko-KR" altLang="en-US"/>
+          </a:p>
+        </p:txBody>
+      </p:sp>
+      <p:sp>
+        <p:nvSpPr>
+          <p:cNvPr id="34" name="타원 33">
+            <a:extLst>
+              <a:ext uri="{FF2B5EF4-FFF2-40B4-BE49-F238E27FC236}">
+                <a16:creationId xmlns:a16="http://schemas.microsoft.com/office/drawing/2014/main" id="{41BD6D68-4697-4BEA-9859-027AB5D0C9A6}"/>
+              </a:ext>
+            </a:extLst>
+          </p:cNvPr>
+          <p:cNvSpPr/>
+          <p:nvPr/>
+        </p:nvSpPr>
+        <p:spPr>
+          <a:xfrm>
+            <a:off x="3970089" y="1319479"/>
+            <a:ext cx="45719" cy="47501"/>
+          </a:xfrm>
+          <a:prstGeom prst="ellipse">
+            <a:avLst/>
+          </a:prstGeom>
+        </p:spPr>
+        <p:style>
+          <a:lnRef idx="2">
+            <a:schemeClr val="accent1">
+              <a:shade val="50000"/>
+            </a:schemeClr>
+          </a:lnRef>
+          <a:fillRef idx="1">
+            <a:schemeClr val="accent1"/>
+          </a:fillRef>
+          <a:effectRef idx="0">
+            <a:schemeClr val="accent1"/>
+          </a:effectRef>
+          <a:fontRef idx="minor">
+            <a:schemeClr val="lt1"/>
+          </a:fontRef>
+        </p:style>
+        <p:txBody>
+          <a:bodyPr rtlCol="0" anchor="ctr"/>
+          <a:lstStyle/>
+          <a:p>
+            <a:pPr algn="ctr"/>
+            <a:endParaRPr lang="ko-KR" altLang="en-US"/>
+          </a:p>
+        </p:txBody>
+      </p:sp>
+      <p:sp>
+        <p:nvSpPr>
+          <p:cNvPr id="35" name="타원 34">
+            <a:extLst>
+              <a:ext uri="{FF2B5EF4-FFF2-40B4-BE49-F238E27FC236}">
+                <a16:creationId xmlns:a16="http://schemas.microsoft.com/office/drawing/2014/main" id="{F1D12B64-FD16-4224-AA56-F646A11B227A}"/>
+              </a:ext>
+            </a:extLst>
+          </p:cNvPr>
+          <p:cNvSpPr/>
+          <p:nvPr/>
+        </p:nvSpPr>
+        <p:spPr>
+          <a:xfrm>
+            <a:off x="5231909" y="1848480"/>
+            <a:ext cx="45719" cy="47501"/>
+          </a:xfrm>
+          <a:prstGeom prst="ellipse">
+            <a:avLst/>
+          </a:prstGeom>
+        </p:spPr>
+        <p:style>
+          <a:lnRef idx="2">
+            <a:schemeClr val="accent1">
+              <a:shade val="50000"/>
+            </a:schemeClr>
+          </a:lnRef>
+          <a:fillRef idx="1">
+            <a:schemeClr val="accent1"/>
+          </a:fillRef>
+          <a:effectRef idx="0">
+            <a:schemeClr val="accent1"/>
+          </a:effectRef>
+          <a:fontRef idx="minor">
+            <a:schemeClr val="lt1"/>
+          </a:fontRef>
+        </p:style>
+        <p:txBody>
+          <a:bodyPr rtlCol="0" anchor="ctr"/>
+          <a:lstStyle/>
+          <a:p>
+            <a:pPr algn="ctr"/>
+            <a:endParaRPr lang="ko-KR" altLang="en-US"/>
+          </a:p>
+        </p:txBody>
+      </p:sp>
+      <p:cxnSp>
+        <p:nvCxnSpPr>
+          <p:cNvPr id="21" name="직선 연결선 20">
+            <a:extLst>
+              <a:ext uri="{FF2B5EF4-FFF2-40B4-BE49-F238E27FC236}">
+                <a16:creationId xmlns:a16="http://schemas.microsoft.com/office/drawing/2014/main" id="{6AE66378-E762-4ABC-AE9E-CB2A3AB999E6}"/>
+              </a:ext>
+            </a:extLst>
+          </p:cNvPr>
+          <p:cNvCxnSpPr>
+            <a:cxnSpLocks/>
+            <a:stCxn id="19" idx="2"/>
+            <a:endCxn id="35" idx="2"/>
+          </p:cNvCxnSpPr>
+          <p:nvPr/>
+        </p:nvCxnSpPr>
+        <p:spPr>
+          <a:xfrm>
+            <a:off x="3635229" y="1870364"/>
+            <a:ext cx="1596680" cy="1867"/>
+          </a:xfrm>
+          <a:prstGeom prst="line">
+            <a:avLst/>
+          </a:prstGeom>
+        </p:spPr>
+        <p:style>
+          <a:lnRef idx="1">
+            <a:schemeClr val="accent1"/>
+          </a:lnRef>
+          <a:fillRef idx="0">
+            <a:schemeClr val="accent1"/>
+          </a:fillRef>
+          <a:effectRef idx="0">
+            <a:schemeClr val="accent1"/>
+          </a:effectRef>
+          <a:fontRef idx="minor">
+            <a:schemeClr val="tx1"/>
+          </a:fontRef>
+        </p:style>
+      </p:cxnSp>
+      <p:sp>
+        <p:nvSpPr>
+          <p:cNvPr id="36" name="직사각형 35">
+            <a:extLst>
+              <a:ext uri="{FF2B5EF4-FFF2-40B4-BE49-F238E27FC236}">
+                <a16:creationId xmlns:a16="http://schemas.microsoft.com/office/drawing/2014/main" id="{0E76FDF3-91B0-4BF2-B1A1-4CDF66DA69DB}"/>
+              </a:ext>
+            </a:extLst>
+          </p:cNvPr>
+          <p:cNvSpPr/>
+          <p:nvPr/>
+        </p:nvSpPr>
+        <p:spPr>
+          <a:xfrm>
+            <a:off x="8841996" y="2693544"/>
+            <a:ext cx="142612" cy="152959"/>
+          </a:xfrm>
+          <a:prstGeom prst="rect">
+            <a:avLst/>
+          </a:prstGeom>
+        </p:spPr>
+        <p:style>
+          <a:lnRef idx="2">
+            <a:schemeClr val="accent1">
+              <a:shade val="50000"/>
+            </a:schemeClr>
+          </a:lnRef>
+          <a:fillRef idx="1">
+            <a:schemeClr val="accent1"/>
+          </a:fillRef>
+          <a:effectRef idx="0">
+            <a:schemeClr val="accent1"/>
+          </a:effectRef>
+          <a:fontRef idx="minor">
+            <a:schemeClr val="lt1"/>
+          </a:fontRef>
+        </p:style>
+        <p:txBody>
+          <a:bodyPr rtlCol="0" anchor="ctr"/>
+          <a:lstStyle/>
+          <a:p>
+            <a:pPr algn="ctr"/>
+            <a:endParaRPr lang="ko-KR" altLang="en-US"/>
+          </a:p>
+        </p:txBody>
+      </p:sp>
+      <p:sp>
+        <p:nvSpPr>
+          <p:cNvPr id="37" name="직사각형 36">
+            <a:extLst>
+              <a:ext uri="{FF2B5EF4-FFF2-40B4-BE49-F238E27FC236}">
+                <a16:creationId xmlns:a16="http://schemas.microsoft.com/office/drawing/2014/main" id="{E26DB3B7-CFF4-46C1-B343-0C161CEA74EC}"/>
+              </a:ext>
+            </a:extLst>
+          </p:cNvPr>
+          <p:cNvSpPr/>
+          <p:nvPr/>
+        </p:nvSpPr>
+        <p:spPr>
+          <a:xfrm>
+            <a:off x="8402939" y="2885572"/>
+            <a:ext cx="142612" cy="152959"/>
+          </a:xfrm>
+          <a:prstGeom prst="rect">
+            <a:avLst/>
+          </a:prstGeom>
+        </p:spPr>
+        <p:style>
+          <a:lnRef idx="2">
+            <a:schemeClr val="accent1">
+              <a:shade val="50000"/>
+            </a:schemeClr>
+          </a:lnRef>
+          <a:fillRef idx="1">
+            <a:schemeClr val="accent1"/>
+          </a:fillRef>
+          <a:effectRef idx="0">
+            <a:schemeClr val="accent1"/>
+          </a:effectRef>
+          <a:fontRef idx="minor">
+            <a:schemeClr val="lt1"/>
+          </a:fontRef>
+        </p:style>
+        <p:txBody>
+          <a:bodyPr rtlCol="0" anchor="ctr"/>
+          <a:lstStyle/>
+          <a:p>
+            <a:pPr algn="ctr"/>
+            <a:endParaRPr lang="ko-KR" altLang="en-US"/>
+          </a:p>
+        </p:txBody>
+      </p:sp>
+      <p:sp>
+        <p:nvSpPr>
+          <p:cNvPr id="38" name="직사각형 37">
+            <a:extLst>
+              <a:ext uri="{FF2B5EF4-FFF2-40B4-BE49-F238E27FC236}">
+                <a16:creationId xmlns:a16="http://schemas.microsoft.com/office/drawing/2014/main" id="{E8BFE33D-832E-4D5E-A17D-9CAECBA103D4}"/>
+              </a:ext>
+            </a:extLst>
+          </p:cNvPr>
+          <p:cNvSpPr/>
+          <p:nvPr/>
+        </p:nvSpPr>
+        <p:spPr>
+          <a:xfrm>
+            <a:off x="9008575" y="2870032"/>
+            <a:ext cx="142612" cy="152959"/>
+          </a:xfrm>
+          <a:prstGeom prst="rect">
+            <a:avLst/>
+          </a:prstGeom>
         </p:spPr>
         <p:style>
           <a:lnRef idx="2">
